--- a/docs/diagrams/ListCommandSequenceDiagram.pptx
+++ b/docs/diagrams/ListCommandSequenceDiagram.pptx
@@ -212,7 +212,7 @@
           <a:p>
             <a:fld id="{F5CC4B3F-88C1-4FFA-B1B6-F41C21DC6924}" type="datetimeFigureOut">
               <a:rPr lang="en-US" smtClean="0"/>
-              <a:t>11/8/18</a:t>
+              <a:t>11/11/18</a:t>
             </a:fld>
             <a:endParaRPr lang="en-US"/>
           </a:p>
@@ -658,7 +658,7 @@
           <a:p>
             <a:fld id="{78C97017-6FC3-485B-9764-EAC9E56C1D49}" type="datetimeFigureOut">
               <a:rPr lang="en-US" smtClean="0"/>
-              <a:t>11/8/18</a:t>
+              <a:t>11/11/18</a:t>
             </a:fld>
             <a:endParaRPr lang="en-US"/>
           </a:p>
@@ -826,7 +826,7 @@
           <a:p>
             <a:fld id="{78C97017-6FC3-485B-9764-EAC9E56C1D49}" type="datetimeFigureOut">
               <a:rPr lang="en-US" smtClean="0"/>
-              <a:t>11/8/18</a:t>
+              <a:t>11/11/18</a:t>
             </a:fld>
             <a:endParaRPr lang="en-US"/>
           </a:p>
@@ -1004,7 +1004,7 @@
           <a:p>
             <a:fld id="{78C97017-6FC3-485B-9764-EAC9E56C1D49}" type="datetimeFigureOut">
               <a:rPr lang="en-US" smtClean="0"/>
-              <a:t>11/8/18</a:t>
+              <a:t>11/11/18</a:t>
             </a:fld>
             <a:endParaRPr lang="en-US"/>
           </a:p>
@@ -1172,7 +1172,7 @@
           <a:p>
             <a:fld id="{78C97017-6FC3-485B-9764-EAC9E56C1D49}" type="datetimeFigureOut">
               <a:rPr lang="en-US" smtClean="0"/>
-              <a:t>11/8/18</a:t>
+              <a:t>11/11/18</a:t>
             </a:fld>
             <a:endParaRPr lang="en-US"/>
           </a:p>
@@ -1417,7 +1417,7 @@
           <a:p>
             <a:fld id="{78C97017-6FC3-485B-9764-EAC9E56C1D49}" type="datetimeFigureOut">
               <a:rPr lang="en-US" smtClean="0"/>
-              <a:t>11/8/18</a:t>
+              <a:t>11/11/18</a:t>
             </a:fld>
             <a:endParaRPr lang="en-US"/>
           </a:p>
@@ -1702,7 +1702,7 @@
           <a:p>
             <a:fld id="{78C97017-6FC3-485B-9764-EAC9E56C1D49}" type="datetimeFigureOut">
               <a:rPr lang="en-US" smtClean="0"/>
-              <a:t>11/8/18</a:t>
+              <a:t>11/11/18</a:t>
             </a:fld>
             <a:endParaRPr lang="en-US"/>
           </a:p>
@@ -2121,7 +2121,7 @@
           <a:p>
             <a:fld id="{78C97017-6FC3-485B-9764-EAC9E56C1D49}" type="datetimeFigureOut">
               <a:rPr lang="en-US" smtClean="0"/>
-              <a:t>11/8/18</a:t>
+              <a:t>11/11/18</a:t>
             </a:fld>
             <a:endParaRPr lang="en-US"/>
           </a:p>
@@ -2238,7 +2238,7 @@
           <a:p>
             <a:fld id="{78C97017-6FC3-485B-9764-EAC9E56C1D49}" type="datetimeFigureOut">
               <a:rPr lang="en-US" smtClean="0"/>
-              <a:t>11/8/18</a:t>
+              <a:t>11/11/18</a:t>
             </a:fld>
             <a:endParaRPr lang="en-US"/>
           </a:p>
@@ -2333,7 +2333,7 @@
           <a:p>
             <a:fld id="{78C97017-6FC3-485B-9764-EAC9E56C1D49}" type="datetimeFigureOut">
               <a:rPr lang="en-US" smtClean="0"/>
-              <a:t>11/8/18</a:t>
+              <a:t>11/11/18</a:t>
             </a:fld>
             <a:endParaRPr lang="en-US"/>
           </a:p>
@@ -2608,7 +2608,7 @@
           <a:p>
             <a:fld id="{78C97017-6FC3-485B-9764-EAC9E56C1D49}" type="datetimeFigureOut">
               <a:rPr lang="en-US" smtClean="0"/>
-              <a:t>11/8/18</a:t>
+              <a:t>11/11/18</a:t>
             </a:fld>
             <a:endParaRPr lang="en-US"/>
           </a:p>
@@ -2860,7 +2860,7 @@
           <a:p>
             <a:fld id="{78C97017-6FC3-485B-9764-EAC9E56C1D49}" type="datetimeFigureOut">
               <a:rPr lang="en-US" smtClean="0"/>
-              <a:t>11/8/18</a:t>
+              <a:t>11/11/18</a:t>
             </a:fld>
             <a:endParaRPr lang="en-US"/>
           </a:p>
@@ -3071,7 +3071,7 @@
           <a:p>
             <a:fld id="{78C97017-6FC3-485B-9764-EAC9E56C1D49}" type="datetimeFigureOut">
               <a:rPr lang="en-US" smtClean="0"/>
-              <a:t>11/8/18</a:t>
+              <a:t>11/11/18</a:t>
             </a:fld>
             <a:endParaRPr lang="en-US"/>
           </a:p>
@@ -3454,8 +3454,8 @@
         </p:nvSpPr>
         <p:spPr>
           <a:xfrm>
-            <a:off x="7956904" y="3768798"/>
-            <a:ext cx="152400" cy="212545"/>
+            <a:off x="6827223" y="3317298"/>
+            <a:ext cx="107411" cy="149802"/>
           </a:xfrm>
           <a:prstGeom prst="rect">
             <a:avLst/>
@@ -3489,7 +3489,7 @@
           <a:lstStyle/>
           <a:p>
             <a:pPr algn="ctr"/>
-            <a:endParaRPr lang="en-SG" sz="1400"/>
+            <a:endParaRPr lang="en-SG" sz="1000"/>
           </a:p>
         </p:txBody>
       </p:sp>
@@ -3501,8 +3501,8 @@
         </p:nvSpPr>
         <p:spPr>
           <a:xfrm>
-            <a:off x="685800" y="1981200"/>
-            <a:ext cx="7252956" cy="4000286"/>
+            <a:off x="685800" y="2057400"/>
+            <a:ext cx="7192911" cy="2819400"/>
           </a:xfrm>
           <a:prstGeom prst="roundRect">
             <a:avLst>
@@ -3539,14 +3539,14 @@
           <a:lstStyle/>
           <a:p>
             <a:r>
-              <a:rPr lang="en-US" sz="1200" b="1" dirty="0">
+              <a:rPr lang="en-US" sz="1000" b="1" dirty="0">
                 <a:solidFill>
                   <a:srgbClr val="0070C0"/>
                 </a:solidFill>
               </a:rPr>
               <a:t>Logic</a:t>
             </a:r>
-            <a:endParaRPr lang="en-SG" sz="1200" b="1" dirty="0">
+            <a:endParaRPr lang="en-SG" sz="1000" b="1" dirty="0">
               <a:solidFill>
                 <a:srgbClr val="0070C0"/>
               </a:solidFill>
@@ -3562,8 +3562,8 @@
         </p:nvSpPr>
         <p:spPr>
           <a:xfrm>
-            <a:off x="845045" y="2296546"/>
-            <a:ext cx="1455629" cy="346760"/>
+            <a:off x="1814787" y="2279656"/>
+            <a:ext cx="1025927" cy="244396"/>
           </a:xfrm>
           <a:prstGeom prst="rect">
             <a:avLst/>
@@ -3598,7 +3598,7 @@
           <a:p>
             <a:pPr algn="ctr"/>
             <a:r>
-              <a:rPr lang="en-US" sz="1600" dirty="0">
+              <a:rPr lang="en-US" sz="1000" dirty="0">
                 <a:solidFill>
                   <a:schemeClr val="bg1"/>
                 </a:solidFill>
@@ -3606,14 +3606,14 @@
               <a:t>:</a:t>
             </a:r>
             <a:r>
-              <a:rPr lang="en-US" sz="1600" dirty="0" err="1">
+              <a:rPr lang="en-US" sz="1000" dirty="0" err="1">
                 <a:solidFill>
                   <a:schemeClr val="bg1"/>
                 </a:solidFill>
               </a:rPr>
               <a:t>LogicManager</a:t>
             </a:r>
-            <a:endParaRPr lang="en-SG" sz="1600" dirty="0">
+            <a:endParaRPr lang="en-SG" sz="1000" dirty="0">
               <a:solidFill>
                 <a:schemeClr val="bg1"/>
               </a:solidFill>
@@ -3629,8 +3629,8 @@
         </p:nvCxnSpPr>
         <p:spPr>
           <a:xfrm>
-            <a:off x="1572859" y="2660217"/>
-            <a:ext cx="0" cy="2597583"/>
+            <a:off x="2327750" y="2535971"/>
+            <a:ext cx="0" cy="1830775"/>
           </a:xfrm>
           <a:prstGeom prst="line">
             <a:avLst/>
@@ -3666,8 +3666,8 @@
         </p:nvSpPr>
         <p:spPr>
           <a:xfrm>
-            <a:off x="1500851" y="3010911"/>
-            <a:ext cx="152400" cy="2780287"/>
+            <a:off x="2276999" y="2783140"/>
+            <a:ext cx="107411" cy="1959545"/>
           </a:xfrm>
           <a:prstGeom prst="rect">
             <a:avLst/>
@@ -3701,7 +3701,7 @@
           <a:lstStyle/>
           <a:p>
             <a:pPr algn="ctr"/>
-            <a:endParaRPr lang="en-SG" sz="1400"/>
+            <a:endParaRPr lang="en-SG" sz="1000"/>
           </a:p>
         </p:txBody>
       </p:sp>
@@ -3713,8 +3713,8 @@
         </p:nvSpPr>
         <p:spPr>
           <a:xfrm>
-            <a:off x="2743200" y="2179309"/>
-            <a:ext cx="1371600" cy="467684"/>
+            <a:off x="3152606" y="2197027"/>
+            <a:ext cx="966703" cy="329623"/>
           </a:xfrm>
           <a:prstGeom prst="rect">
             <a:avLst/>
@@ -3749,7 +3749,7 @@
           <a:p>
             <a:pPr algn="ctr"/>
             <a:r>
-              <a:rPr lang="en-US" sz="1600" dirty="0" smtClean="0">
+              <a:rPr lang="en-US" sz="1000" dirty="0" smtClean="0">
                 <a:solidFill>
                   <a:schemeClr val="bg1"/>
                 </a:solidFill>
@@ -3757,7 +3757,7 @@
               <a:t>:</a:t>
             </a:r>
             <a:r>
-              <a:rPr lang="en-US" sz="1600" dirty="0" err="1" smtClean="0">
+              <a:rPr lang="en-US" sz="1000" dirty="0" err="1" smtClean="0">
                 <a:solidFill>
                   <a:schemeClr val="bg1"/>
                 </a:solidFill>
@@ -3765,14 +3765,14 @@
               <a:t>TaskManager</a:t>
             </a:r>
             <a:r>
-              <a:rPr lang="en-US" sz="1600" dirty="0" smtClean="0">
+              <a:rPr lang="en-US" sz="1000" dirty="0" smtClean="0">
                 <a:solidFill>
                   <a:schemeClr val="bg1"/>
                 </a:solidFill>
               </a:rPr>
               <a:t> Parser</a:t>
             </a:r>
-            <a:endParaRPr lang="en-SG" sz="1600" dirty="0">
+            <a:endParaRPr lang="en-SG" sz="1000" dirty="0">
               <a:solidFill>
                 <a:schemeClr val="bg1"/>
               </a:solidFill>
@@ -3788,8 +3788,8 @@
         </p:nvCxnSpPr>
         <p:spPr>
           <a:xfrm>
-            <a:off x="3356599" y="2663904"/>
-            <a:ext cx="0" cy="1695374"/>
+            <a:off x="3584930" y="2538570"/>
+            <a:ext cx="0" cy="1194899"/>
           </a:xfrm>
           <a:prstGeom prst="line">
             <a:avLst/>
@@ -3825,8 +3825,8 @@
         </p:nvSpPr>
         <p:spPr>
           <a:xfrm>
-            <a:off x="3284590" y="3122096"/>
-            <a:ext cx="174929" cy="1129459"/>
+            <a:off x="3534178" y="2861503"/>
+            <a:ext cx="123290" cy="796042"/>
           </a:xfrm>
           <a:prstGeom prst="rect">
             <a:avLst/>
@@ -3860,7 +3860,7 @@
           <a:lstStyle/>
           <a:p>
             <a:pPr algn="ctr"/>
-            <a:endParaRPr lang="en-SG" sz="1400">
+            <a:endParaRPr lang="en-SG" sz="1000">
               <a:solidFill>
                 <a:schemeClr val="dk1"/>
               </a:solidFill>
@@ -3876,8 +3876,8 @@
         </p:nvSpPr>
         <p:spPr>
           <a:xfrm>
-            <a:off x="6221565" y="3312740"/>
-            <a:ext cx="1093635" cy="461538"/>
+            <a:off x="5604157" y="2995869"/>
+            <a:ext cx="770794" cy="325292"/>
           </a:xfrm>
           <a:prstGeom prst="rect">
             <a:avLst/>
@@ -3912,7 +3912,7 @@
           <a:p>
             <a:pPr algn="ctr"/>
             <a:r>
-              <a:rPr lang="en-US" sz="1600" dirty="0" err="1" smtClean="0">
+              <a:rPr lang="en-US" sz="1000" dirty="0" err="1" smtClean="0">
                 <a:solidFill>
                   <a:schemeClr val="bg1"/>
                 </a:solidFill>
@@ -3920,7 +3920,7 @@
               <a:t>l:List</a:t>
             </a:r>
             <a:r>
-              <a:rPr lang="en-US" sz="1600" dirty="0">
+              <a:rPr lang="en-US" sz="1000" dirty="0">
                 <a:solidFill>
                   <a:schemeClr val="bg1"/>
                 </a:solidFill>
@@ -3928,21 +3928,21 @@
               <a:t/>
             </a:r>
             <a:br>
-              <a:rPr lang="en-US" sz="1600" dirty="0">
+              <a:rPr lang="en-US" sz="1000" dirty="0">
                 <a:solidFill>
                   <a:schemeClr val="bg1"/>
                 </a:solidFill>
               </a:rPr>
             </a:br>
             <a:r>
-              <a:rPr lang="en-US" sz="1600" dirty="0">
+              <a:rPr lang="en-US" sz="1000" dirty="0">
                 <a:solidFill>
                   <a:schemeClr val="bg1"/>
                 </a:solidFill>
               </a:rPr>
               <a:t>Command</a:t>
             </a:r>
-            <a:endParaRPr lang="en-SG" sz="1600" dirty="0">
+            <a:endParaRPr lang="en-SG" sz="1000" dirty="0">
               <a:solidFill>
                 <a:schemeClr val="bg1"/>
               </a:solidFill>
@@ -3960,8 +3960,8 @@
         </p:nvCxnSpPr>
         <p:spPr>
           <a:xfrm>
-            <a:off x="6772574" y="3774278"/>
-            <a:ext cx="0" cy="1940722"/>
+            <a:off x="5992508" y="3321161"/>
+            <a:ext cx="0" cy="1367820"/>
           </a:xfrm>
           <a:prstGeom prst="line">
             <a:avLst/>
@@ -3997,8 +3997,8 @@
         </p:nvSpPr>
         <p:spPr>
           <a:xfrm>
-            <a:off x="6696374" y="3774278"/>
-            <a:ext cx="152400" cy="276003"/>
+            <a:off x="5938802" y="3321161"/>
+            <a:ext cx="107411" cy="194527"/>
           </a:xfrm>
           <a:prstGeom prst="rect">
             <a:avLst/>
@@ -4032,20 +4032,22 @@
           <a:lstStyle/>
           <a:p>
             <a:pPr algn="ctr"/>
-            <a:endParaRPr lang="en-SG" sz="1400"/>
+            <a:endParaRPr lang="en-SG" sz="1000"/>
           </a:p>
         </p:txBody>
       </p:sp>
       <p:cxnSp>
         <p:nvCxnSpPr>
           <p:cNvPr id="23" name="Straight Arrow Connector 22"/>
-          <p:cNvCxnSpPr/>
+          <p:cNvCxnSpPr>
+            <a:endCxn id="6" idx="0"/>
+          </p:cNvCxnSpPr>
           <p:nvPr/>
         </p:nvCxnSpPr>
         <p:spPr>
-          <a:xfrm>
-            <a:off x="381000" y="3014599"/>
-            <a:ext cx="1119851" cy="0"/>
+          <a:xfrm flipV="1">
+            <a:off x="1487729" y="2783140"/>
+            <a:ext cx="842976" cy="2600"/>
           </a:xfrm>
           <a:prstGeom prst="straightConnector1">
             <a:avLst/>
@@ -4080,8 +4082,8 @@
         </p:nvCxnSpPr>
         <p:spPr>
           <a:xfrm flipV="1">
-            <a:off x="1653251" y="3122097"/>
-            <a:ext cx="1596514" cy="1"/>
+            <a:off x="2362200" y="2895596"/>
+            <a:ext cx="1211412" cy="4"/>
           </a:xfrm>
           <a:prstGeom prst="straightConnector1">
             <a:avLst/>
@@ -4116,8 +4118,8 @@
         </p:nvSpPr>
         <p:spPr>
           <a:xfrm>
-            <a:off x="341137" y="2743200"/>
-            <a:ext cx="1083710" cy="430887"/>
+            <a:off x="1023724" y="2594457"/>
+            <a:ext cx="1199707" cy="153888"/>
           </a:xfrm>
           <a:prstGeom prst="rect">
             <a:avLst/>
@@ -4132,7 +4134,7 @@
           <a:p>
             <a:pPr algn="r"/>
             <a:r>
-              <a:rPr lang="en-US" sz="1400" dirty="0">
+              <a:rPr lang="en-US" sz="1000" dirty="0">
                 <a:solidFill>
                   <a:srgbClr val="0070C0"/>
                 </a:solidFill>
@@ -4140,14 +4142,14 @@
               <a:t>execute</a:t>
             </a:r>
             <a:r>
-              <a:rPr lang="en-US" sz="1400" dirty="0" smtClean="0">
+              <a:rPr lang="en-US" sz="1000" dirty="0" smtClean="0">
                 <a:solidFill>
                   <a:srgbClr val="0070C0"/>
                 </a:solidFill>
               </a:rPr>
               <a:t>(“list f/today”)</a:t>
             </a:r>
-            <a:endParaRPr lang="en-US" sz="1400" dirty="0">
+            <a:endParaRPr lang="en-US" sz="1000" dirty="0">
               <a:solidFill>
                 <a:srgbClr val="0070C0"/>
               </a:solidFill>
@@ -4162,9 +4164,9 @@
           <p:nvPr/>
         </p:nvCxnSpPr>
         <p:spPr>
-          <a:xfrm flipV="1">
-            <a:off x="5257218" y="3703214"/>
-            <a:ext cx="922392" cy="1"/>
+          <a:xfrm>
+            <a:off x="4924485" y="3271077"/>
+            <a:ext cx="679672" cy="11637"/>
           </a:xfrm>
           <a:prstGeom prst="straightConnector1">
             <a:avLst/>
@@ -4199,8 +4201,8 @@
         </p:nvSpPr>
         <p:spPr>
           <a:xfrm>
-            <a:off x="4257582" y="4251556"/>
-            <a:ext cx="855809" cy="215444"/>
+            <a:off x="4219942" y="3657546"/>
+            <a:ext cx="603174" cy="153888"/>
           </a:xfrm>
           <a:prstGeom prst="rect">
             <a:avLst/>
@@ -4225,7 +4227,7 @@
           </a:lstStyle>
           <a:p>
             <a:r>
-              <a:rPr lang="en-US" dirty="0"/>
+              <a:rPr lang="en-US" sz="1000" dirty="0"/>
               <a:t>execute()</a:t>
             </a:r>
           </a:p>
@@ -4239,8 +4241,8 @@
         </p:nvCxnSpPr>
         <p:spPr>
           <a:xfrm>
-            <a:off x="5257800" y="4050281"/>
-            <a:ext cx="1492974" cy="0"/>
+            <a:off x="4924896" y="3515687"/>
+            <a:ext cx="1052248" cy="0"/>
           </a:xfrm>
           <a:prstGeom prst="straightConnector1">
             <a:avLst/>
@@ -4277,8 +4279,8 @@
         </p:nvCxnSpPr>
         <p:spPr>
           <a:xfrm flipV="1">
-            <a:off x="1670186" y="4243231"/>
-            <a:ext cx="1596514" cy="5378"/>
+            <a:off x="2369472" y="3651679"/>
+            <a:ext cx="1152098" cy="2043"/>
           </a:xfrm>
           <a:prstGeom prst="straightConnector1">
             <a:avLst/>
@@ -4315,8 +4317,8 @@
         </p:nvCxnSpPr>
         <p:spPr>
           <a:xfrm>
-            <a:off x="304800" y="5791200"/>
-            <a:ext cx="1196051" cy="0"/>
+            <a:off x="1443024" y="4724400"/>
+            <a:ext cx="842976" cy="0"/>
           </a:xfrm>
           <a:prstGeom prst="straightConnector1">
             <a:avLst/>
@@ -4353,8 +4355,8 @@
         </p:nvSpPr>
         <p:spPr>
           <a:xfrm>
-            <a:off x="8265896" y="2362200"/>
-            <a:ext cx="1030504" cy="346760"/>
+            <a:off x="7045001" y="2325929"/>
+            <a:ext cx="726299" cy="244396"/>
           </a:xfrm>
           <a:prstGeom prst="rect">
             <a:avLst/>
@@ -4395,14 +4397,14 @@
           <a:p>
             <a:pPr algn="ctr"/>
             <a:r>
-              <a:rPr lang="en-US" sz="1600" dirty="0">
+              <a:rPr lang="en-US" sz="1000" dirty="0">
                 <a:solidFill>
                   <a:schemeClr val="bg1"/>
                 </a:solidFill>
               </a:rPr>
               <a:t>:Model</a:t>
             </a:r>
-            <a:endParaRPr lang="en-SG" sz="1600" dirty="0">
+            <a:endParaRPr lang="en-SG" sz="1000" dirty="0">
               <a:solidFill>
                 <a:schemeClr val="bg1"/>
               </a:solidFill>
@@ -4417,9 +4419,9 @@
           <p:nvPr/>
         </p:nvCxnSpPr>
         <p:spPr>
-          <a:xfrm>
-            <a:off x="1653251" y="4495317"/>
-            <a:ext cx="5043123" cy="0"/>
+          <a:xfrm flipV="1">
+            <a:off x="2384410" y="3812305"/>
+            <a:ext cx="3559190" cy="11048"/>
           </a:xfrm>
           <a:prstGeom prst="straightConnector1">
             <a:avLst/>
@@ -4454,8 +4456,8 @@
         </p:nvSpPr>
         <p:spPr>
           <a:xfrm>
-            <a:off x="6687452" y="4467000"/>
-            <a:ext cx="161322" cy="1019400"/>
+            <a:off x="5932514" y="3809391"/>
+            <a:ext cx="113700" cy="718473"/>
           </a:xfrm>
           <a:prstGeom prst="rect">
             <a:avLst/>
@@ -4489,7 +4491,7 @@
           <a:lstStyle/>
           <a:p>
             <a:pPr algn="ctr"/>
-            <a:endParaRPr lang="en-SG" sz="1400"/>
+            <a:endParaRPr lang="en-SG" sz="1000"/>
           </a:p>
         </p:txBody>
       </p:sp>
@@ -4501,8 +4503,8 @@
         </p:nvCxnSpPr>
         <p:spPr>
           <a:xfrm>
-            <a:off x="8781148" y="2700858"/>
-            <a:ext cx="0" cy="2830598"/>
+            <a:off x="7408150" y="2564615"/>
+            <a:ext cx="0" cy="1995004"/>
           </a:xfrm>
           <a:prstGeom prst="line">
             <a:avLst/>
@@ -4541,8 +4543,8 @@
         </p:nvSpPr>
         <p:spPr>
           <a:xfrm>
-            <a:off x="8686800" y="4524597"/>
-            <a:ext cx="152400" cy="199803"/>
+            <a:off x="7341654" y="3849985"/>
+            <a:ext cx="107411" cy="140821"/>
           </a:xfrm>
           <a:prstGeom prst="rect">
             <a:avLst/>
@@ -4582,7 +4584,7 @@
           <a:lstStyle/>
           <a:p>
             <a:pPr algn="ctr"/>
-            <a:endParaRPr lang="en-SG" sz="1400">
+            <a:endParaRPr lang="en-SG" sz="1000">
               <a:solidFill>
                 <a:schemeClr val="dk1"/>
               </a:solidFill>
@@ -4598,8 +4600,8 @@
         </p:nvCxnSpPr>
         <p:spPr>
           <a:xfrm>
-            <a:off x="6850663" y="4524597"/>
-            <a:ext cx="1836137" cy="0"/>
+            <a:off x="6047545" y="3849985"/>
+            <a:ext cx="1294109" cy="0"/>
           </a:xfrm>
           <a:prstGeom prst="straightConnector1">
             <a:avLst/>
@@ -4634,8 +4636,8 @@
         </p:nvCxnSpPr>
         <p:spPr>
           <a:xfrm flipV="1">
-            <a:off x="6848774" y="4714650"/>
-            <a:ext cx="1838026" cy="9750"/>
+            <a:off x="6046214" y="3983934"/>
+            <a:ext cx="1295440" cy="6872"/>
           </a:xfrm>
           <a:prstGeom prst="straightConnector1">
             <a:avLst/>
@@ -4675,8 +4677,8 @@
         </p:nvCxnSpPr>
         <p:spPr>
           <a:xfrm>
-            <a:off x="1653251" y="5486400"/>
-            <a:ext cx="5052349" cy="0"/>
+            <a:off x="2369472" y="4527864"/>
+            <a:ext cx="3575833" cy="0"/>
           </a:xfrm>
           <a:prstGeom prst="straightConnector1">
             <a:avLst/>
@@ -4713,8 +4715,8 @@
         </p:nvSpPr>
         <p:spPr>
           <a:xfrm>
-            <a:off x="6984957" y="4267200"/>
-            <a:ext cx="1643792" cy="430887"/>
+            <a:off x="5950787" y="3683915"/>
+            <a:ext cx="1433339" cy="107722"/>
           </a:xfrm>
           <a:prstGeom prst="rect">
             <a:avLst/>
@@ -4739,22 +4741,22 @@
           </a:lstStyle>
           <a:p>
             <a:r>
-              <a:rPr lang="en-US" dirty="0" err="1" smtClean="0"/>
+              <a:rPr lang="en-US" sz="700" dirty="0" err="1" smtClean="0"/>
               <a:t>updateFilteredTaskList</a:t>
             </a:r>
             <a:r>
-              <a:rPr lang="en-US" dirty="0" smtClean="0"/>
+              <a:rPr lang="en-US" sz="700" dirty="0" smtClean="0"/>
               <a:t>(predicate)</a:t>
             </a:r>
             <a:r>
-              <a:rPr lang="en-US" dirty="0" smtClean="0">
+              <a:rPr lang="en-US" sz="700" dirty="0" smtClean="0">
                 <a:solidFill>
                   <a:srgbClr val="7030A0"/>
                 </a:solidFill>
               </a:rPr>
               <a:t>)</a:t>
             </a:r>
-            <a:endParaRPr lang="en-US" dirty="0">
+            <a:endParaRPr lang="en-US" sz="700" dirty="0">
               <a:solidFill>
                 <a:srgbClr val="7030A0"/>
               </a:solidFill>
@@ -4770,8 +4772,8 @@
         </p:nvSpPr>
         <p:spPr>
           <a:xfrm>
-            <a:off x="3847551" y="3657600"/>
-            <a:ext cx="1000014" cy="184666"/>
+            <a:off x="3670076" y="3238926"/>
+            <a:ext cx="965687" cy="153888"/>
           </a:xfrm>
           <a:prstGeom prst="rect">
             <a:avLst/>
@@ -4796,14 +4798,14 @@
           </a:lstStyle>
           <a:p>
             <a:r>
-              <a:rPr lang="en-US" sz="1200"/>
+              <a:rPr lang="en-US" sz="1000"/>
               <a:t>parse</a:t>
             </a:r>
             <a:r>
-              <a:rPr lang="en-US" sz="1200" smtClean="0"/>
+              <a:rPr lang="en-US" sz="1000" smtClean="0"/>
               <a:t>(“today”)</a:t>
             </a:r>
-            <a:endParaRPr lang="en-US" sz="1200" dirty="0"/>
+            <a:endParaRPr lang="en-US" sz="1000" dirty="0"/>
           </a:p>
         </p:txBody>
       </p:sp>
@@ -4815,8 +4817,8 @@
         </p:nvSpPr>
         <p:spPr>
           <a:xfrm>
-            <a:off x="1785510" y="2858750"/>
-            <a:ext cx="1488294" cy="215444"/>
+            <a:off x="2465688" y="2688878"/>
+            <a:ext cx="1048949" cy="138499"/>
           </a:xfrm>
           <a:prstGeom prst="rect">
             <a:avLst/>
@@ -4841,14 +4843,14 @@
           </a:lstStyle>
           <a:p>
             <a:r>
-              <a:rPr lang="en-US"/>
+              <a:rPr lang="en-US" sz="900" dirty="0"/>
               <a:t>parse</a:t>
             </a:r>
             <a:r>
-              <a:rPr lang="en-US" smtClean="0"/>
+              <a:rPr lang="en-US" sz="900" dirty="0" smtClean="0"/>
               <a:t>(“list f/today”)</a:t>
             </a:r>
-            <a:endParaRPr lang="en-US" dirty="0"/>
+            <a:endParaRPr lang="en-US" sz="900" dirty="0"/>
           </a:p>
         </p:txBody>
       </p:sp>
@@ -4860,8 +4862,8 @@
         </p:nvSpPr>
         <p:spPr>
           <a:xfrm>
-            <a:off x="4340137" y="5255323"/>
-            <a:ext cx="621216" cy="215444"/>
+            <a:off x="4278127" y="4365001"/>
+            <a:ext cx="437833" cy="153888"/>
           </a:xfrm>
           <a:prstGeom prst="rect">
             <a:avLst/>
@@ -4886,7 +4888,7 @@
           </a:lstStyle>
           <a:p>
             <a:r>
-              <a:rPr lang="en-US" dirty="0"/>
+              <a:rPr lang="en-US" sz="1000" dirty="0"/>
               <a:t>result</a:t>
             </a:r>
           </a:p>
@@ -4900,8 +4902,8 @@
         </p:nvSpPr>
         <p:spPr>
           <a:xfrm>
-            <a:off x="599983" y="5538488"/>
-            <a:ext cx="762000" cy="215444"/>
+            <a:off x="1642068" y="4564575"/>
+            <a:ext cx="537057" cy="153888"/>
           </a:xfrm>
           <a:prstGeom prst="rect">
             <a:avLst/>
@@ -4926,7 +4928,7 @@
           </a:lstStyle>
           <a:p>
             <a:r>
-              <a:rPr lang="en-US" dirty="0"/>
+              <a:rPr lang="en-US" sz="1000" dirty="0"/>
               <a:t>result</a:t>
             </a:r>
           </a:p>
@@ -4940,8 +4942,8 @@
         </p:nvSpPr>
         <p:spPr>
           <a:xfrm>
-            <a:off x="7020246" y="4777286"/>
-            <a:ext cx="1590354" cy="461538"/>
+            <a:off x="6167067" y="4028080"/>
+            <a:ext cx="1120881" cy="325292"/>
           </a:xfrm>
           <a:prstGeom prst="rect">
             <a:avLst/>
@@ -4976,7 +4978,7 @@
           <a:p>
             <a:pPr algn="ctr"/>
             <a:r>
-              <a:rPr lang="en-US" sz="1600" dirty="0">
+              <a:rPr lang="en-US" sz="1000" dirty="0">
                 <a:solidFill>
                   <a:schemeClr val="bg1"/>
                 </a:solidFill>
@@ -4984,7 +4986,7 @@
               <a:t>result</a:t>
             </a:r>
             <a:r>
-              <a:rPr lang="en-US" sz="1600" dirty="0" smtClean="0">
+              <a:rPr lang="en-US" sz="1000" dirty="0" smtClean="0">
                 <a:solidFill>
                   <a:schemeClr val="bg1"/>
                 </a:solidFill>
@@ -4992,14 +4994,14 @@
               <a:t>: Command </a:t>
             </a:r>
             <a:r>
-              <a:rPr lang="en-US" sz="1600" dirty="0">
+              <a:rPr lang="en-US" sz="1000" dirty="0">
                 <a:solidFill>
                   <a:schemeClr val="bg1"/>
                 </a:solidFill>
               </a:rPr>
               <a:t>Result</a:t>
             </a:r>
-            <a:endParaRPr lang="en-SG" sz="1600" dirty="0">
+            <a:endParaRPr lang="en-SG" sz="1000" dirty="0">
               <a:solidFill>
                 <a:schemeClr val="bg1"/>
               </a:solidFill>
@@ -5015,8 +5017,8 @@
         </p:nvSpPr>
         <p:spPr>
           <a:xfrm>
-            <a:off x="7777323" y="5238824"/>
-            <a:ext cx="152400" cy="171376"/>
+            <a:off x="6700655" y="4353372"/>
+            <a:ext cx="107411" cy="120786"/>
           </a:xfrm>
           <a:prstGeom prst="rect">
             <a:avLst/>
@@ -5050,7 +5052,7 @@
           <a:lstStyle/>
           <a:p>
             <a:pPr algn="ctr"/>
-            <a:endParaRPr lang="en-SG" sz="1400"/>
+            <a:endParaRPr lang="en-SG" sz="1000"/>
           </a:p>
         </p:txBody>
       </p:sp>
@@ -5062,8 +5064,8 @@
         </p:nvCxnSpPr>
         <p:spPr>
           <a:xfrm>
-            <a:off x="6858000" y="5410200"/>
-            <a:ext cx="966624" cy="0"/>
+            <a:off x="6052716" y="4474158"/>
+            <a:ext cx="681276" cy="0"/>
           </a:xfrm>
           <a:prstGeom prst="straightConnector1">
             <a:avLst/>
@@ -5100,8 +5102,8 @@
         </p:nvSpPr>
         <p:spPr>
           <a:xfrm>
-            <a:off x="2673845" y="4027787"/>
-            <a:ext cx="220343" cy="215444"/>
+            <a:off x="3103725" y="3499834"/>
+            <a:ext cx="155298" cy="153888"/>
           </a:xfrm>
           <a:prstGeom prst="rect">
             <a:avLst/>
@@ -5126,10 +5128,9 @@
           </a:lstStyle>
           <a:p>
             <a:r>
-              <a:rPr lang="en-US" dirty="0"/>
+              <a:rPr lang="en-US" sz="1000" dirty="0"/>
               <a:t>l</a:t>
             </a:r>
-            <a:endParaRPr lang="en-US" dirty="0"/>
           </a:p>
         </p:txBody>
       </p:sp>
@@ -5141,8 +5142,8 @@
         </p:nvSpPr>
         <p:spPr>
           <a:xfrm>
-            <a:off x="4231981" y="2929839"/>
-            <a:ext cx="1778201" cy="432035"/>
+            <a:off x="4201899" y="2726000"/>
+            <a:ext cx="1253275" cy="304498"/>
           </a:xfrm>
           <a:prstGeom prst="rect">
             <a:avLst/>
@@ -5177,7 +5178,7 @@
           <a:p>
             <a:pPr algn="ctr"/>
             <a:r>
-              <a:rPr lang="en-US" sz="1600" dirty="0" smtClean="0">
+              <a:rPr lang="en-US" sz="1000" dirty="0" smtClean="0">
                 <a:solidFill>
                   <a:schemeClr val="bg1"/>
                 </a:solidFill>
@@ -5185,14 +5186,14 @@
               <a:t>:</a:t>
             </a:r>
             <a:r>
-              <a:rPr lang="en-US" sz="1600" dirty="0" err="1" smtClean="0">
+              <a:rPr lang="en-US" sz="1000" dirty="0" err="1" smtClean="0">
                 <a:solidFill>
                   <a:schemeClr val="bg1"/>
                 </a:solidFill>
               </a:rPr>
               <a:t>ListCommand</a:t>
             </a:r>
-            <a:endParaRPr lang="en-US" sz="1600" dirty="0">
+            <a:endParaRPr lang="en-US" sz="1000" dirty="0">
               <a:solidFill>
                 <a:schemeClr val="bg1"/>
               </a:solidFill>
@@ -5201,14 +5202,14 @@
           <a:p>
             <a:pPr algn="ctr"/>
             <a:r>
-              <a:rPr lang="en-US" sz="1600" dirty="0">
+              <a:rPr lang="en-US" sz="1000" dirty="0">
                 <a:solidFill>
                   <a:schemeClr val="bg1"/>
                 </a:solidFill>
               </a:rPr>
               <a:t>Parser</a:t>
             </a:r>
-            <a:endParaRPr lang="en-SG" sz="1600" dirty="0">
+            <a:endParaRPr lang="en-SG" sz="1000" dirty="0">
               <a:solidFill>
                 <a:schemeClr val="bg1"/>
               </a:solidFill>
@@ -5224,8 +5225,8 @@
         </p:nvCxnSpPr>
         <p:spPr>
           <a:xfrm>
-            <a:off x="3462591" y="3657600"/>
-            <a:ext cx="1597356" cy="1"/>
+            <a:off x="3659633" y="3238926"/>
+            <a:ext cx="1125816" cy="1"/>
           </a:xfrm>
           <a:prstGeom prst="straightConnector1">
             <a:avLst/>
@@ -5258,8 +5259,8 @@
         </p:nvSpPr>
         <p:spPr>
           <a:xfrm>
-            <a:off x="5059947" y="3352800"/>
-            <a:ext cx="205843" cy="123165"/>
+            <a:off x="4785449" y="3024103"/>
+            <a:ext cx="145078" cy="86807"/>
           </a:xfrm>
           <a:prstGeom prst="rect">
             <a:avLst/>
@@ -5293,7 +5294,7 @@
           <a:lstStyle/>
           <a:p>
             <a:pPr algn="ctr"/>
-            <a:endParaRPr lang="en-SG" sz="1400"/>
+            <a:endParaRPr lang="en-SG" sz="1000"/>
           </a:p>
         </p:txBody>
       </p:sp>
@@ -5307,8 +5308,8 @@
         </p:nvCxnSpPr>
         <p:spPr>
           <a:xfrm>
-            <a:off x="5162869" y="3352800"/>
-            <a:ext cx="0" cy="990600"/>
+            <a:off x="4857988" y="3024103"/>
+            <a:ext cx="0" cy="698174"/>
           </a:xfrm>
           <a:prstGeom prst="line">
             <a:avLst/>
@@ -5344,8 +5345,8 @@
         </p:nvSpPr>
         <p:spPr>
           <a:xfrm>
-            <a:off x="5059947" y="3657601"/>
-            <a:ext cx="205843" cy="533400"/>
+            <a:off x="4785449" y="3238927"/>
+            <a:ext cx="145078" cy="375940"/>
           </a:xfrm>
           <a:prstGeom prst="rect">
             <a:avLst/>
@@ -5379,7 +5380,7 @@
           <a:lstStyle/>
           <a:p>
             <a:pPr algn="ctr"/>
-            <a:endParaRPr lang="en-SG" sz="1400"/>
+            <a:endParaRPr lang="en-SG" sz="1000"/>
           </a:p>
         </p:txBody>
       </p:sp>
@@ -5390,9 +5391,9 @@
           <p:nvPr/>
         </p:nvCxnSpPr>
         <p:spPr>
-          <a:xfrm>
-            <a:off x="3499382" y="4185073"/>
-            <a:ext cx="1667219" cy="0"/>
+          <a:xfrm flipV="1">
+            <a:off x="3657600" y="3610689"/>
+            <a:ext cx="1190542" cy="4178"/>
           </a:xfrm>
           <a:prstGeom prst="straightConnector1">
             <a:avLst/>
@@ -5429,8 +5430,8 @@
         </p:nvCxnSpPr>
         <p:spPr>
           <a:xfrm>
-            <a:off x="6858000" y="5029200"/>
-            <a:ext cx="162246" cy="0"/>
+            <a:off x="6052716" y="4205629"/>
+            <a:ext cx="114351" cy="0"/>
           </a:xfrm>
           <a:prstGeom prst="straightConnector1">
             <a:avLst/>
@@ -5463,8 +5464,8 @@
         </p:nvCxnSpPr>
         <p:spPr>
           <a:xfrm>
-            <a:off x="3412425" y="3173004"/>
-            <a:ext cx="819556" cy="1"/>
+            <a:off x="3624276" y="2897383"/>
+            <a:ext cx="577623" cy="1"/>
           </a:xfrm>
           <a:prstGeom prst="straightConnector1">
             <a:avLst/>
@@ -5499,8 +5500,8 @@
         </p:nvCxnSpPr>
         <p:spPr>
           <a:xfrm>
-            <a:off x="3459519" y="3475965"/>
-            <a:ext cx="1600428" cy="0"/>
+            <a:off x="3657468" y="3110910"/>
+            <a:ext cx="1127981" cy="0"/>
           </a:xfrm>
           <a:prstGeom prst="straightConnector1">
             <a:avLst/>
@@ -5537,8 +5538,8 @@
         </p:nvSpPr>
         <p:spPr>
           <a:xfrm>
-            <a:off x="5033665" y="4199590"/>
-            <a:ext cx="258404" cy="261610"/>
+            <a:off x="4766925" y="3620920"/>
+            <a:ext cx="251992" cy="246221"/>
           </a:xfrm>
           <a:prstGeom prst="rect">
             <a:avLst/>
@@ -5552,7 +5553,7 @@
           <a:lstStyle/>
           <a:p>
             <a:r>
-              <a:rPr lang="en-SG" sz="1100" dirty="0">
+              <a:rPr lang="en-SG" sz="1000" dirty="0">
                 <a:solidFill>
                   <a:srgbClr val="002060"/>
                 </a:solidFill>
@@ -5570,8 +5571,8 @@
         </p:nvSpPr>
         <p:spPr>
           <a:xfrm>
-            <a:off x="7485748" y="3156036"/>
-            <a:ext cx="1093635" cy="675645"/>
+            <a:off x="6495153" y="2885424"/>
+            <a:ext cx="770794" cy="476194"/>
           </a:xfrm>
           <a:prstGeom prst="rect">
             <a:avLst/>
@@ -5606,14 +5607,14 @@
           <a:p>
             <a:pPr algn="ctr"/>
             <a:r>
-              <a:rPr lang="en-US" sz="1200" dirty="0" err="1">
+              <a:rPr lang="en-US" sz="800" dirty="0" err="1">
                 <a:solidFill>
                   <a:schemeClr val="bg1"/>
                 </a:solidFill>
               </a:rPr>
               <a:t>p:DueDateIsBeforeTodayPredicate</a:t>
             </a:r>
-            <a:endParaRPr lang="en-SG" sz="1200" dirty="0">
+            <a:endParaRPr lang="en-SG" sz="800" dirty="0">
               <a:solidFill>
                 <a:schemeClr val="bg1"/>
               </a:solidFill>
@@ -5629,8 +5630,8 @@
         </p:nvCxnSpPr>
         <p:spPr>
           <a:xfrm>
-            <a:off x="6848774" y="3841836"/>
-            <a:ext cx="680039" cy="0"/>
+            <a:off x="6046214" y="3368776"/>
+            <a:ext cx="479291" cy="0"/>
           </a:xfrm>
           <a:prstGeom prst="straightConnector1">
             <a:avLst/>
@@ -5665,8 +5666,8 @@
         </p:nvCxnSpPr>
         <p:spPr>
           <a:xfrm>
-            <a:off x="6848774" y="3981343"/>
-            <a:ext cx="1245650" cy="0"/>
+            <a:off x="6046214" y="3467100"/>
+            <a:ext cx="877934" cy="0"/>
           </a:xfrm>
           <a:prstGeom prst="straightConnector1">
             <a:avLst/>
@@ -5695,6 +5696,53 @@
           </a:fontRef>
         </p:style>
       </p:cxnSp>
+      <p:sp>
+        <p:nvSpPr>
+          <p:cNvPr id="60" name="Rectangle 59"/>
+          <p:cNvSpPr/>
+          <p:nvPr/>
+        </p:nvSpPr>
+        <p:spPr>
+          <a:xfrm>
+            <a:off x="6821002" y="3293529"/>
+            <a:ext cx="107411" cy="194527"/>
+          </a:xfrm>
+          <a:prstGeom prst="rect">
+            <a:avLst/>
+          </a:prstGeom>
+          <a:solidFill>
+            <a:srgbClr val="0070C0"/>
+          </a:solidFill>
+          <a:ln>
+            <a:solidFill>
+              <a:srgbClr val="0070C0"/>
+            </a:solidFill>
+          </a:ln>
+          <a:effectLst/>
+        </p:spPr>
+        <p:style>
+          <a:lnRef idx="1">
+            <a:schemeClr val="accent3"/>
+          </a:lnRef>
+          <a:fillRef idx="2">
+            <a:schemeClr val="accent3"/>
+          </a:fillRef>
+          <a:effectRef idx="1">
+            <a:schemeClr val="accent3"/>
+          </a:effectRef>
+          <a:fontRef idx="minor">
+            <a:schemeClr val="dk1"/>
+          </a:fontRef>
+        </p:style>
+        <p:txBody>
+          <a:bodyPr rtlCol="0" anchor="ctr"/>
+          <a:lstStyle/>
+          <a:p>
+            <a:pPr algn="ctr"/>
+            <a:endParaRPr lang="en-SG" sz="1000"/>
+          </a:p>
+        </p:txBody>
+      </p:sp>
     </p:spTree>
     <p:extLst>
       <p:ext uri="{BB962C8B-B14F-4D97-AF65-F5344CB8AC3E}">

--- a/docs/diagrams/ListCommandSequenceDiagram.pptx
+++ b/docs/diagrams/ListCommandSequenceDiagram.pptx
@@ -3501,7 +3501,7 @@
         </p:nvSpPr>
         <p:spPr>
           <a:xfrm>
-            <a:off x="685800" y="2057400"/>
+            <a:off x="681671" y="2057400"/>
             <a:ext cx="7192911" cy="2819400"/>
           </a:xfrm>
           <a:prstGeom prst="roundRect">
@@ -3789,7 +3789,7 @@
         <p:spPr>
           <a:xfrm>
             <a:off x="3584930" y="2538570"/>
-            <a:ext cx="0" cy="1194899"/>
+            <a:ext cx="0" cy="2150411"/>
           </a:xfrm>
           <a:prstGeom prst="line">
             <a:avLst/>
@@ -3876,7 +3876,7 @@
         </p:nvSpPr>
         <p:spPr>
           <a:xfrm>
-            <a:off x="5604157" y="2995869"/>
+            <a:off x="5597377" y="3018872"/>
             <a:ext cx="770794" cy="325292"/>
           </a:xfrm>
           <a:prstGeom prst="rect">
@@ -4039,15 +4039,13 @@
       <p:cxnSp>
         <p:nvCxnSpPr>
           <p:cNvPr id="23" name="Straight Arrow Connector 22"/>
-          <p:cNvCxnSpPr>
-            <a:endCxn id="6" idx="0"/>
-          </p:cNvCxnSpPr>
+          <p:cNvCxnSpPr/>
           <p:nvPr/>
         </p:nvCxnSpPr>
         <p:spPr>
           <a:xfrm flipV="1">
-            <a:off x="1487729" y="2783140"/>
-            <a:ext cx="842976" cy="2600"/>
+            <a:off x="1441138" y="2777868"/>
+            <a:ext cx="842976" cy="4607"/>
           </a:xfrm>
           <a:prstGeom prst="straightConnector1">
             <a:avLst/>
@@ -4082,8 +4080,8 @@
         </p:nvCxnSpPr>
         <p:spPr>
           <a:xfrm flipV="1">
-            <a:off x="2362200" y="2895596"/>
-            <a:ext cx="1211412" cy="4"/>
+            <a:off x="2384410" y="2872398"/>
+            <a:ext cx="1152792" cy="12389"/>
           </a:xfrm>
           <a:prstGeom prst="straightConnector1">
             <a:avLst/>
@@ -4164,9 +4162,9 @@
           <p:nvPr/>
         </p:nvCxnSpPr>
         <p:spPr>
-          <a:xfrm>
-            <a:off x="4924485" y="3271077"/>
-            <a:ext cx="679672" cy="11637"/>
+          <a:xfrm flipV="1">
+            <a:off x="4937198" y="3267275"/>
+            <a:ext cx="674705" cy="3382"/>
           </a:xfrm>
           <a:prstGeom prst="straightConnector1">
             <a:avLst/>
@@ -4317,7 +4315,7 @@
         </p:nvCxnSpPr>
         <p:spPr>
           <a:xfrm>
-            <a:off x="1443024" y="4724400"/>
+            <a:off x="1441138" y="4730961"/>
             <a:ext cx="842976" cy="0"/>
           </a:xfrm>
           <a:prstGeom prst="straightConnector1">
@@ -4504,7 +4502,7 @@
         <p:spPr>
           <a:xfrm>
             <a:off x="7408150" y="2564615"/>
-            <a:ext cx="0" cy="1995004"/>
+            <a:ext cx="0" cy="2124366"/>
           </a:xfrm>
           <a:prstGeom prst="line">
             <a:avLst/>
@@ -4748,14 +4746,6 @@
               <a:rPr lang="en-US" sz="700" dirty="0" smtClean="0"/>
               <a:t>(predicate)</a:t>
             </a:r>
-            <a:r>
-              <a:rPr lang="en-US" sz="700" dirty="0" smtClean="0">
-                <a:solidFill>
-                  <a:srgbClr val="7030A0"/>
-                </a:solidFill>
-              </a:rPr>
-              <a:t>)</a:t>
-            </a:r>
             <a:endParaRPr lang="en-US" sz="700" dirty="0">
               <a:solidFill>
                 <a:srgbClr val="7030A0"/>
@@ -5565,14 +5555,61 @@
       </p:sp>
       <p:sp>
         <p:nvSpPr>
+          <p:cNvPr id="60" name="Rectangle 59"/>
+          <p:cNvSpPr/>
+          <p:nvPr/>
+        </p:nvSpPr>
+        <p:spPr>
+          <a:xfrm>
+            <a:off x="6821002" y="3293529"/>
+            <a:ext cx="107411" cy="194527"/>
+          </a:xfrm>
+          <a:prstGeom prst="rect">
+            <a:avLst/>
+          </a:prstGeom>
+          <a:solidFill>
+            <a:srgbClr val="0070C0"/>
+          </a:solidFill>
+          <a:ln>
+            <a:solidFill>
+              <a:srgbClr val="0070C0"/>
+            </a:solidFill>
+          </a:ln>
+          <a:effectLst/>
+        </p:spPr>
+        <p:style>
+          <a:lnRef idx="1">
+            <a:schemeClr val="accent3"/>
+          </a:lnRef>
+          <a:fillRef idx="2">
+            <a:schemeClr val="accent3"/>
+          </a:fillRef>
+          <a:effectRef idx="1">
+            <a:schemeClr val="accent3"/>
+          </a:effectRef>
+          <a:fontRef idx="minor">
+            <a:schemeClr val="dk1"/>
+          </a:fontRef>
+        </p:style>
+        <p:txBody>
+          <a:bodyPr rtlCol="0" anchor="ctr"/>
+          <a:lstStyle/>
+          <a:p>
+            <a:pPr algn="ctr"/>
+            <a:endParaRPr lang="en-SG" sz="1000"/>
+          </a:p>
+        </p:txBody>
+      </p:sp>
+      <p:sp>
+        <p:nvSpPr>
           <p:cNvPr id="48" name="Rectangle 62"/>
           <p:cNvSpPr/>
           <p:nvPr/>
         </p:nvSpPr>
         <p:spPr>
           <a:xfrm>
-            <a:off x="6495153" y="2885424"/>
-            <a:ext cx="770794" cy="476194"/>
+            <a:off x="6517155" y="2952266"/>
+            <a:ext cx="748792" cy="438736"/>
           </a:xfrm>
           <a:prstGeom prst="rect">
             <a:avLst/>
@@ -5666,7 +5703,7 @@
         </p:nvCxnSpPr>
         <p:spPr>
           <a:xfrm>
-            <a:off x="6046214" y="3467100"/>
+            <a:off x="6046214" y="3489325"/>
             <a:ext cx="877934" cy="0"/>
           </a:xfrm>
           <a:prstGeom prst="straightConnector1">
@@ -5696,53 +5733,6 @@
           </a:fontRef>
         </p:style>
       </p:cxnSp>
-      <p:sp>
-        <p:nvSpPr>
-          <p:cNvPr id="60" name="Rectangle 59"/>
-          <p:cNvSpPr/>
-          <p:nvPr/>
-        </p:nvSpPr>
-        <p:spPr>
-          <a:xfrm>
-            <a:off x="6821002" y="3293529"/>
-            <a:ext cx="107411" cy="194527"/>
-          </a:xfrm>
-          <a:prstGeom prst="rect">
-            <a:avLst/>
-          </a:prstGeom>
-          <a:solidFill>
-            <a:srgbClr val="0070C0"/>
-          </a:solidFill>
-          <a:ln>
-            <a:solidFill>
-              <a:srgbClr val="0070C0"/>
-            </a:solidFill>
-          </a:ln>
-          <a:effectLst/>
-        </p:spPr>
-        <p:style>
-          <a:lnRef idx="1">
-            <a:schemeClr val="accent3"/>
-          </a:lnRef>
-          <a:fillRef idx="2">
-            <a:schemeClr val="accent3"/>
-          </a:fillRef>
-          <a:effectRef idx="1">
-            <a:schemeClr val="accent3"/>
-          </a:effectRef>
-          <a:fontRef idx="minor">
-            <a:schemeClr val="dk1"/>
-          </a:fontRef>
-        </p:style>
-        <p:txBody>
-          <a:bodyPr rtlCol="0" anchor="ctr"/>
-          <a:lstStyle/>
-          <a:p>
-            <a:pPr algn="ctr"/>
-            <a:endParaRPr lang="en-SG" sz="1000"/>
-          </a:p>
-        </p:txBody>
-      </p:sp>
     </p:spTree>
     <p:extLst>
       <p:ext uri="{BB962C8B-B14F-4D97-AF65-F5344CB8AC3E}">
